--- a/Document/Presentation.pptx
+++ b/Document/Presentation.pptx
@@ -4660,7 +4660,7 @@
           <a:p>
             <a:r>
               <a:rPr lang="en-GB" dirty="0" smtClean="0"/>
-              <a:t>Title?</a:t>
+              <a:t>Beach habitat simulator</a:t>
             </a:r>
             <a:endParaRPr lang="en-GB" dirty="0"/>
           </a:p>
@@ -4827,7 +4827,11 @@
           <a:bodyPr/>
           <a:lstStyle/>
           <a:p>
-            <a:endParaRPr lang="en-GB"/>
+            <a:r>
+              <a:rPr lang="en-GB" dirty="0" smtClean="0"/>
+              <a:t>Models, art and sound</a:t>
+            </a:r>
+            <a:endParaRPr lang="en-GB" dirty="0"/>
           </a:p>
         </p:txBody>
       </p:sp>
@@ -5046,7 +5050,15 @@
           <a:bodyPr/>
           <a:lstStyle/>
           <a:p>
-            <a:endParaRPr lang="en-GB"/>
+            <a:r>
+              <a:rPr lang="en-GB" dirty="0" err="1" smtClean="0"/>
+              <a:t>Havok</a:t>
+            </a:r>
+            <a:r>
+              <a:rPr lang="en-GB" dirty="0" smtClean="0"/>
+              <a:t> </a:t>
+            </a:r>
+            <a:endParaRPr lang="en-GB" dirty="0"/>
           </a:p>
         </p:txBody>
       </p:sp>
@@ -5247,7 +5259,6 @@
               <a:rPr lang="en-GB" dirty="0"/>
               <a:t>project management</a:t>
             </a:r>
-            <a:endParaRPr lang="en-GB" dirty="0"/>
           </a:p>
         </p:txBody>
       </p:sp>
@@ -6395,26 +6406,33 @@
               <a:rPr lang="en-GB" dirty="0"/>
               <a:t>technical</a:t>
             </a:r>
+          </a:p>
+        </p:txBody>
+      </p:sp>
+      <p:sp>
+        <p:nvSpPr>
+          <p:cNvPr id="3" name="Content Placeholder 2"/>
+          <p:cNvSpPr>
+            <a:spLocks noGrp="1"/>
+          </p:cNvSpPr>
+          <p:nvPr>
+            <p:ph idx="1"/>
+          </p:nvPr>
+        </p:nvSpPr>
+        <p:spPr/>
+        <p:txBody>
+          <a:bodyPr/>
+          <a:lstStyle/>
+          <a:p>
+            <a:r>
+              <a:rPr lang="en-GB" dirty="0" smtClean="0"/>
+              <a:t>What we did </a:t>
+            </a:r>
+            <a:r>
+              <a:rPr lang="en-GB" dirty="0" err="1" smtClean="0"/>
+              <a:t>ect</a:t>
+            </a:r>
             <a:endParaRPr lang="en-GB" dirty="0"/>
-          </a:p>
-        </p:txBody>
-      </p:sp>
-      <p:sp>
-        <p:nvSpPr>
-          <p:cNvPr id="3" name="Content Placeholder 2"/>
-          <p:cNvSpPr>
-            <a:spLocks noGrp="1"/>
-          </p:cNvSpPr>
-          <p:nvPr>
-            <p:ph idx="1"/>
-          </p:nvPr>
-        </p:nvSpPr>
-        <p:spPr/>
-        <p:txBody>
-          <a:bodyPr/>
-          <a:lstStyle/>
-          <a:p>
-            <a:endParaRPr lang="en-GB"/>
           </a:p>
         </p:txBody>
       </p:sp>
@@ -6644,7 +6662,7 @@
           <a:p>
             <a:r>
               <a:rPr lang="en-GB" dirty="0" smtClean="0"/>
-              <a:t>Different tools we used? Then talk about the tools, why we used them what we used them for</a:t>
+              <a:t>GUI</a:t>
             </a:r>
             <a:endParaRPr lang="en-GB" dirty="0"/>
           </a:p>
@@ -6865,7 +6883,11 @@
           <a:bodyPr/>
           <a:lstStyle/>
           <a:p>
-            <a:endParaRPr lang="en-GB"/>
+            <a:r>
+              <a:rPr lang="en-GB" dirty="0" smtClean="0"/>
+              <a:t>NPC and building placement</a:t>
+            </a:r>
+            <a:endParaRPr lang="en-GB" dirty="0"/>
           </a:p>
         </p:txBody>
       </p:sp>
@@ -7073,7 +7095,7 @@
     </a:clrScheme>
     <a:fontScheme name="Banded">
       <a:majorFont>
-        <a:latin typeface="Corbel" panose="020B0503020204020204"/>
+        <a:latin typeface="Corbel"/>
         <a:ea typeface=""/>
         <a:cs typeface=""/>
         <a:font script="Jpan" typeface="ＭＳ ゴシック"/>
@@ -7108,7 +7130,7 @@
         <a:font script="Geor" typeface="Sylfaen"/>
       </a:majorFont>
       <a:minorFont>
-        <a:latin typeface="Corbel" panose="020B0503020204020204"/>
+        <a:latin typeface="Corbel"/>
         <a:ea typeface=""/>
         <a:cs typeface=""/>
         <a:font script="Jpan" typeface="ＭＳ ゴシック"/>
@@ -7286,7 +7308,7 @@
   <a:extraClrSchemeLst/>
   <a:extLst>
     <a:ext uri="{05A4C25C-085E-4340-85A3-A5531E510DB2}">
-      <thm15:themeFamily xmlns:thm15="http://schemas.microsoft.com/office/thememl/2012/main" name="Banded" id="{98DFF888-2449-4D28-977C-6306C017633E}" vid="{9792607F-9579-4224-82FF-9C88C3E1E53D}"/>
+      <thm15:themeFamily xmlns:thm15="http://schemas.microsoft.com/office/thememl/2012/main" xmlns="" name="Banded" id="{98DFF888-2449-4D28-977C-6306C017633E}" vid="{9792607F-9579-4224-82FF-9C88C3E1E53D}"/>
     </a:ext>
   </a:extLst>
 </a:theme>
@@ -7335,7 +7357,7 @@
     </a:clrScheme>
     <a:fontScheme name="Office">
       <a:majorFont>
-        <a:latin typeface="Calibri Light" panose="020F0302020204030204"/>
+        <a:latin typeface="Calibri Light"/>
         <a:ea typeface=""/>
         <a:cs typeface=""/>
         <a:font script="Jpan" typeface="ＭＳ Ｐゴシック"/>
@@ -7370,7 +7392,7 @@
         <a:font script="Geor" typeface="Sylfaen"/>
       </a:majorFont>
       <a:minorFont>
-        <a:latin typeface="Calibri" panose="020F0502020204030204"/>
+        <a:latin typeface="Calibri"/>
         <a:ea typeface=""/>
         <a:cs typeface=""/>
         <a:font script="Jpan" typeface="ＭＳ Ｐゴシック"/>
@@ -7547,7 +7569,7 @@
   <a:extraClrSchemeLst/>
   <a:extLst>
     <a:ext uri="{05A4C25C-085E-4340-85A3-A5531E510DB2}">
-      <thm15:themeFamily xmlns:thm15="http://schemas.microsoft.com/office/thememl/2012/main" name="Office Theme" id="{62F939B6-93AF-4DB8-9C6B-D6C7DFDC589F}" vid="{4A3C46E8-61CC-4603-A589-7422A47A8E4A}"/>
+      <thm15:themeFamily xmlns:thm15="http://schemas.microsoft.com/office/thememl/2012/main" xmlns="" name="Office Theme" id="{62F939B6-93AF-4DB8-9C6B-D6C7DFDC589F}" vid="{4A3C46E8-61CC-4603-A589-7422A47A8E4A}"/>
     </a:ext>
   </a:extLst>
 </a:theme>

--- a/Document/Presentation.pptx
+++ b/Document/Presentation.pptx
@@ -5,7 +5,7 @@
     <p:sldMasterId id="2147483732" r:id="rId1"/>
   </p:sldMasterIdLst>
   <p:notesMasterIdLst>
-    <p:notesMasterId r:id="rId13"/>
+    <p:notesMasterId r:id="rId14"/>
   </p:notesMasterIdLst>
   <p:sldIdLst>
     <p:sldId id="256" r:id="rId2"/>
@@ -15,10 +15,11 @@
     <p:sldId id="269" r:id="rId6"/>
     <p:sldId id="270" r:id="rId7"/>
     <p:sldId id="271" r:id="rId8"/>
-    <p:sldId id="272" r:id="rId9"/>
-    <p:sldId id="273" r:id="rId10"/>
-    <p:sldId id="274" r:id="rId11"/>
-    <p:sldId id="275" r:id="rId12"/>
+    <p:sldId id="275" r:id="rId9"/>
+    <p:sldId id="276" r:id="rId10"/>
+    <p:sldId id="272" r:id="rId11"/>
+    <p:sldId id="273" r:id="rId12"/>
+    <p:sldId id="274" r:id="rId13"/>
   </p:sldIdLst>
   <p:sldSz cx="12192000" cy="6858000"/>
   <p:notesSz cx="6858000" cy="9144000"/>
@@ -202,7 +203,7 @@
           <a:p>
             <a:fld id="{F305C2BF-BDC3-4895-8BE6-69B42EFD61DD}" type="datetimeFigureOut">
               <a:rPr lang="en-GB" smtClean="0"/>
-              <a:t>30/04/2014</a:t>
+              <a:t>01/05/2014</a:t>
             </a:fld>
             <a:endParaRPr lang="en-GB"/>
           </a:p>
@@ -640,7 +641,7 @@
     </p:spTree>
     <p:extLst>
       <p:ext uri="{BB962C8B-B14F-4D97-AF65-F5344CB8AC3E}">
-        <p14:creationId xmlns:p14="http://schemas.microsoft.com/office/powerpoint/2010/main" val="758557954"/>
+        <p14:creationId xmlns:p14="http://schemas.microsoft.com/office/powerpoint/2010/main" val="3027984400"/>
       </p:ext>
     </p:extLst>
   </p:cSld>
@@ -724,7 +725,91 @@
     </p:spTree>
     <p:extLst>
       <p:ext uri="{BB962C8B-B14F-4D97-AF65-F5344CB8AC3E}">
-        <p14:creationId xmlns:p14="http://schemas.microsoft.com/office/powerpoint/2010/main" val="2999044919"/>
+        <p14:creationId xmlns:p14="http://schemas.microsoft.com/office/powerpoint/2010/main" val="472709251"/>
+      </p:ext>
+    </p:extLst>
+  </p:cSld>
+  <p:clrMapOvr>
+    <a:masterClrMapping/>
+  </p:clrMapOvr>
+</p:notes>
+</file>
+
+<file path=ppt/notesSlides/notesSlide12.xml><?xml version="1.0" encoding="utf-8"?>
+<p:notes xmlns:a="http://schemas.openxmlformats.org/drawingml/2006/main" xmlns:r="http://schemas.openxmlformats.org/officeDocument/2006/relationships" xmlns:p="http://schemas.openxmlformats.org/presentationml/2006/main">
+  <p:cSld>
+    <p:spTree>
+      <p:nvGrpSpPr>
+        <p:cNvPr id="1" name=""/>
+        <p:cNvGrpSpPr/>
+        <p:nvPr/>
+      </p:nvGrpSpPr>
+      <p:grpSpPr>
+        <a:xfrm>
+          <a:off x="0" y="0"/>
+          <a:ext cx="0" cy="0"/>
+          <a:chOff x="0" y="0"/>
+          <a:chExt cx="0" cy="0"/>
+        </a:xfrm>
+      </p:grpSpPr>
+      <p:sp>
+        <p:nvSpPr>
+          <p:cNvPr id="2" name="Slide Image Placeholder 1"/>
+          <p:cNvSpPr>
+            <a:spLocks noGrp="1" noRot="1" noChangeAspect="1"/>
+          </p:cNvSpPr>
+          <p:nvPr>
+            <p:ph type="sldImg"/>
+          </p:nvPr>
+        </p:nvSpPr>
+        <p:spPr/>
+      </p:sp>
+      <p:sp>
+        <p:nvSpPr>
+          <p:cNvPr id="3" name="Notes Placeholder 2"/>
+          <p:cNvSpPr>
+            <a:spLocks noGrp="1"/>
+          </p:cNvSpPr>
+          <p:nvPr>
+            <p:ph type="body" idx="1"/>
+          </p:nvPr>
+        </p:nvSpPr>
+        <p:spPr/>
+        <p:txBody>
+          <a:bodyPr/>
+          <a:lstStyle/>
+          <a:p>
+            <a:endParaRPr lang="en-GB"/>
+          </a:p>
+        </p:txBody>
+      </p:sp>
+      <p:sp>
+        <p:nvSpPr>
+          <p:cNvPr id="4" name="Slide Number Placeholder 3"/>
+          <p:cNvSpPr>
+            <a:spLocks noGrp="1"/>
+          </p:cNvSpPr>
+          <p:nvPr>
+            <p:ph type="sldNum" sz="quarter" idx="10"/>
+          </p:nvPr>
+        </p:nvSpPr>
+        <p:spPr/>
+        <p:txBody>
+          <a:bodyPr/>
+          <a:lstStyle/>
+          <a:p>
+            <a:fld id="{5C5D009F-FEAF-4B12-B1D6-6BED6AED0695}" type="slidenum">
+              <a:rPr lang="en-GB" smtClean="0"/>
+              <a:t>12</a:t>
+            </a:fld>
+            <a:endParaRPr lang="en-GB"/>
+          </a:p>
+        </p:txBody>
+      </p:sp>
+    </p:spTree>
+    <p:extLst>
+      <p:ext uri="{BB962C8B-B14F-4D97-AF65-F5344CB8AC3E}">
+        <p14:creationId xmlns:p14="http://schemas.microsoft.com/office/powerpoint/2010/main" val="758557954"/>
       </p:ext>
     </p:extLst>
   </p:cSld>
@@ -1312,7 +1397,7 @@
     </p:spTree>
     <p:extLst>
       <p:ext uri="{BB962C8B-B14F-4D97-AF65-F5344CB8AC3E}">
-        <p14:creationId xmlns:p14="http://schemas.microsoft.com/office/powerpoint/2010/main" val="3027984400"/>
+        <p14:creationId xmlns:p14="http://schemas.microsoft.com/office/powerpoint/2010/main" val="2999044919"/>
       </p:ext>
     </p:extLst>
   </p:cSld>
@@ -1396,7 +1481,7 @@
     </p:spTree>
     <p:extLst>
       <p:ext uri="{BB962C8B-B14F-4D97-AF65-F5344CB8AC3E}">
-        <p14:creationId xmlns:p14="http://schemas.microsoft.com/office/powerpoint/2010/main" val="472709251"/>
+        <p14:creationId xmlns:p14="http://schemas.microsoft.com/office/powerpoint/2010/main" val="2999044919"/>
       </p:ext>
     </p:extLst>
   </p:cSld>
@@ -1582,7 +1667,7 @@
           <a:p>
             <a:fld id="{2BF70775-0AE5-44E5-88EF-2D9102DE9AAA}" type="datetime1">
               <a:rPr lang="en-GB" smtClean="0"/>
-              <a:t>30/04/2014</a:t>
+              <a:t>01/05/2014</a:t>
             </a:fld>
             <a:endParaRPr lang="en-GB"/>
           </a:p>
@@ -1752,7 +1837,7 @@
           <a:p>
             <a:fld id="{F2282429-3B4E-49C6-A03B-711C67618B42}" type="datetime1">
               <a:rPr lang="en-GB" smtClean="0"/>
-              <a:t>30/04/2014</a:t>
+              <a:t>01/05/2014</a:t>
             </a:fld>
             <a:endParaRPr lang="en-GB"/>
           </a:p>
@@ -1975,7 +2060,7 @@
           <a:p>
             <a:fld id="{648E5654-1D9D-4AF5-AD21-280BD4B135EE}" type="datetime1">
               <a:rPr lang="en-GB" smtClean="0"/>
-              <a:t>30/04/2014</a:t>
+              <a:t>01/05/2014</a:t>
             </a:fld>
             <a:endParaRPr lang="en-GB"/>
           </a:p>
@@ -2155,7 +2240,7 @@
           <a:p>
             <a:fld id="{3D58E698-DA8C-4C1A-97B1-92C126D4387A}" type="datetime1">
               <a:rPr lang="en-GB" smtClean="0"/>
-              <a:t>30/04/2014</a:t>
+              <a:t>01/05/2014</a:t>
             </a:fld>
             <a:endParaRPr lang="en-GB"/>
           </a:p>
@@ -2461,7 +2546,7 @@
           <a:p>
             <a:fld id="{A5BC7A1A-9BC1-41FA-824C-C21D26F81373}" type="datetime1">
               <a:rPr lang="en-GB" smtClean="0"/>
-              <a:t>30/04/2014</a:t>
+              <a:t>01/05/2014</a:t>
             </a:fld>
             <a:endParaRPr lang="en-GB"/>
           </a:p>
@@ -2765,7 +2850,7 @@
           <a:p>
             <a:fld id="{80F70870-8EA5-405E-9C97-04A7C068560A}" type="datetime1">
               <a:rPr lang="en-GB" smtClean="0"/>
-              <a:t>30/04/2014</a:t>
+              <a:t>01/05/2014</a:t>
             </a:fld>
             <a:endParaRPr lang="en-GB"/>
           </a:p>
@@ -3187,7 +3272,7 @@
           <a:p>
             <a:fld id="{4BA96986-2A27-4CF1-80F1-0323DE69C809}" type="datetime1">
               <a:rPr lang="en-GB" smtClean="0"/>
-              <a:t>30/04/2014</a:t>
+              <a:t>01/05/2014</a:t>
             </a:fld>
             <a:endParaRPr lang="en-GB"/>
           </a:p>
@@ -3305,7 +3390,7 @@
           <a:p>
             <a:fld id="{45118F44-88F3-4B32-A3AE-013DDB20C9CF}" type="datetime1">
               <a:rPr lang="en-GB" smtClean="0"/>
-              <a:t>30/04/2014</a:t>
+              <a:t>01/05/2014</a:t>
             </a:fld>
             <a:endParaRPr lang="en-GB"/>
           </a:p>
@@ -3400,7 +3485,7 @@
           <a:p>
             <a:fld id="{F34BFD98-D36C-46B9-B37F-9F06C0CB3F4F}" type="datetime1">
               <a:rPr lang="en-GB" smtClean="0"/>
-              <a:t>30/04/2014</a:t>
+              <a:t>01/05/2014</a:t>
             </a:fld>
             <a:endParaRPr lang="en-GB"/>
           </a:p>
@@ -3673,7 +3758,7 @@
           <a:p>
             <a:fld id="{41FCED11-062A-4274-8E13-7EC9BD0C577A}" type="datetime1">
               <a:rPr lang="en-GB" smtClean="0"/>
-              <a:t>30/04/2014</a:t>
+              <a:t>01/05/2014</a:t>
             </a:fld>
             <a:endParaRPr lang="en-GB"/>
           </a:p>
@@ -3938,7 +4023,7 @@
           <a:p>
             <a:fld id="{8E6C7965-EEA4-4C72-9FDC-F5A17AA1AC1A}" type="datetime1">
               <a:rPr lang="en-GB" smtClean="0"/>
-              <a:t>30/04/2014</a:t>
+              <a:t>01/05/2014</a:t>
             </a:fld>
             <a:endParaRPr lang="en-GB"/>
           </a:p>
@@ -4187,7 +4272,7 @@
           <a:p>
             <a:fld id="{BF5731F2-DE69-4455-B1A8-23DF073CC2E0}" type="datetime1">
               <a:rPr lang="en-GB" smtClean="0"/>
-              <a:t>30/04/2014</a:t>
+              <a:t>01/05/2014</a:t>
             </a:fld>
             <a:endParaRPr lang="en-GB"/>
           </a:p>
@@ -4683,6 +4768,10 @@
           </a:bodyPr>
           <a:lstStyle/>
           <a:p>
+            <a:r>
+              <a:rPr lang="en-GB" dirty="0" smtClean="0"/>
+              <a:t>Introduction</a:t>
+            </a:r>
             <a:endParaRPr lang="en-GB" dirty="0"/>
           </a:p>
         </p:txBody>
@@ -4770,6 +4859,13 @@
   <p:clrMapOvr>
     <a:masterClrMapping/>
   </p:clrMapOvr>
+  <p:timing>
+    <p:tnLst>
+      <p:par>
+        <p:cTn id="1" dur="indefinite" restart="never" nodeType="tmRoot"/>
+      </p:par>
+    </p:tnLst>
+  </p:timing>
 </p:sld>
 </file>
 
@@ -4806,9 +4902,18 @@
           <a:lstStyle/>
           <a:p>
             <a:r>
-              <a:rPr lang="en-GB" dirty="0"/>
+              <a:rPr lang="en-GB" dirty="0" err="1"/>
               <a:t>technical</a:t>
             </a:r>
+            <a:r>
+              <a:rPr lang="en-GB" dirty="0" err="1" smtClean="0">
+                <a:solidFill>
+                  <a:schemeClr val="tx1"/>
+                </a:solidFill>
+              </a:rPr>
+              <a:t>l</a:t>
+            </a:r>
+            <a:endParaRPr lang="en-GB" dirty="0"/>
           </a:p>
         </p:txBody>
       </p:sp>
@@ -4829,7 +4934,22 @@
           <a:p>
             <a:r>
               <a:rPr lang="en-GB" dirty="0" smtClean="0"/>
-              <a:t>Models, art and sound</a:t>
+              <a:t>GUI</a:t>
+            </a:r>
+          </a:p>
+          <a:p>
+            <a:endParaRPr lang="en-GB" dirty="0"/>
+          </a:p>
+          <a:p>
+            <a:r>
+              <a:rPr lang="en-GB" dirty="0" smtClean="0"/>
+              <a:t>How the GUI was created</a:t>
+            </a:r>
+          </a:p>
+          <a:p>
+            <a:r>
+              <a:rPr lang="en-GB" dirty="0" smtClean="0"/>
+              <a:t>Challenges faced when creating the GUI</a:t>
             </a:r>
             <a:endParaRPr lang="en-GB" dirty="0"/>
           </a:p>
@@ -4986,13 +5106,20 @@
     </p:spTree>
     <p:extLst>
       <p:ext uri="{BB962C8B-B14F-4D97-AF65-F5344CB8AC3E}">
-        <p14:creationId xmlns:p14="http://schemas.microsoft.com/office/powerpoint/2010/main" val="2214304224"/>
+        <p14:creationId xmlns:p14="http://schemas.microsoft.com/office/powerpoint/2010/main" val="1341817024"/>
       </p:ext>
     </p:extLst>
   </p:cSld>
   <p:clrMapOvr>
     <a:masterClrMapping/>
   </p:clrMapOvr>
+  <p:timing>
+    <p:tnLst>
+      <p:par>
+        <p:cTn id="1" dur="indefinite" restart="never" nodeType="tmRoot"/>
+      </p:par>
+    </p:tnLst>
+  </p:timing>
 </p:sld>
 </file>
 
@@ -5051,12 +5178,50 @@
           <a:lstStyle/>
           <a:p>
             <a:r>
-              <a:rPr lang="en-GB" dirty="0" err="1" smtClean="0"/>
-              <a:t>Havok</a:t>
-            </a:r>
-            <a:r>
               <a:rPr lang="en-GB" dirty="0" smtClean="0"/>
-              <a:t> </a:t>
+              <a:t>NPC and building </a:t>
+            </a:r>
+            <a:r>
+              <a:rPr lang="en-GB" dirty="0" smtClean="0"/>
+              <a:t>placement</a:t>
+            </a:r>
+          </a:p>
+          <a:p>
+            <a:endParaRPr lang="en-GB" dirty="0"/>
+          </a:p>
+          <a:p>
+            <a:r>
+              <a:rPr lang="en-GB" dirty="0" smtClean="0"/>
+              <a:t>Ho</a:t>
+            </a:r>
+            <a:r>
+              <a:rPr lang="en-GB" dirty="0" smtClean="0"/>
+              <a:t>w the NPC’s were created</a:t>
+            </a:r>
+          </a:p>
+          <a:p>
+            <a:r>
+              <a:rPr lang="en-GB" dirty="0" smtClean="0"/>
+              <a:t>Challenges whe</a:t>
+            </a:r>
+            <a:r>
+              <a:rPr lang="en-GB" dirty="0" smtClean="0"/>
+              <a:t>n creating the NPC’s</a:t>
+            </a:r>
+          </a:p>
+          <a:p>
+            <a:endParaRPr lang="en-GB" dirty="0"/>
+          </a:p>
+          <a:p>
+            <a:r>
+              <a:rPr lang="en-GB" dirty="0" smtClean="0"/>
+              <a:t>How the building placement was created</a:t>
+            </a:r>
+          </a:p>
+          <a:p>
+            <a:r>
+              <a:rPr lang="en-GB" dirty="0" smtClean="0"/>
+              <a:t>Challenges when creating the building placement</a:t>
             </a:r>
             <a:endParaRPr lang="en-GB" dirty="0"/>
           </a:p>
@@ -5213,13 +5378,279 @@
     </p:spTree>
     <p:extLst>
       <p:ext uri="{BB962C8B-B14F-4D97-AF65-F5344CB8AC3E}">
-        <p14:creationId xmlns:p14="http://schemas.microsoft.com/office/powerpoint/2010/main" val="2143559092"/>
+        <p14:creationId xmlns:p14="http://schemas.microsoft.com/office/powerpoint/2010/main" val="514675790"/>
       </p:ext>
     </p:extLst>
   </p:cSld>
   <p:clrMapOvr>
     <a:masterClrMapping/>
   </p:clrMapOvr>
+  <p:timing>
+    <p:tnLst>
+      <p:par>
+        <p:cTn id="1" dur="indefinite" restart="never" nodeType="tmRoot"/>
+      </p:par>
+    </p:tnLst>
+  </p:timing>
+</p:sld>
+</file>
+
+<file path=ppt/slides/slide12.xml><?xml version="1.0" encoding="utf-8"?>
+<p:sld xmlns:a="http://schemas.openxmlformats.org/drawingml/2006/main" xmlns:r="http://schemas.openxmlformats.org/officeDocument/2006/relationships" xmlns:p="http://schemas.openxmlformats.org/presentationml/2006/main">
+  <p:cSld>
+    <p:spTree>
+      <p:nvGrpSpPr>
+        <p:cNvPr id="1" name=""/>
+        <p:cNvGrpSpPr/>
+        <p:nvPr/>
+      </p:nvGrpSpPr>
+      <p:grpSpPr>
+        <a:xfrm>
+          <a:off x="0" y="0"/>
+          <a:ext cx="0" cy="0"/>
+          <a:chOff x="0" y="0"/>
+          <a:chExt cx="0" cy="0"/>
+        </a:xfrm>
+      </p:grpSpPr>
+      <p:sp>
+        <p:nvSpPr>
+          <p:cNvPr id="2" name="Title 1"/>
+          <p:cNvSpPr>
+            <a:spLocks noGrp="1"/>
+          </p:cNvSpPr>
+          <p:nvPr>
+            <p:ph type="title"/>
+          </p:nvPr>
+        </p:nvSpPr>
+        <p:spPr/>
+        <p:txBody>
+          <a:bodyPr/>
+          <a:lstStyle/>
+          <a:p>
+            <a:r>
+              <a:rPr lang="en-GB" dirty="0"/>
+              <a:t>technical</a:t>
+            </a:r>
+          </a:p>
+        </p:txBody>
+      </p:sp>
+      <p:sp>
+        <p:nvSpPr>
+          <p:cNvPr id="3" name="Content Placeholder 2"/>
+          <p:cNvSpPr>
+            <a:spLocks noGrp="1"/>
+          </p:cNvSpPr>
+          <p:nvPr>
+            <p:ph idx="1"/>
+          </p:nvPr>
+        </p:nvSpPr>
+        <p:spPr/>
+        <p:txBody>
+          <a:bodyPr>
+            <a:normAutofit/>
+          </a:bodyPr>
+          <a:lstStyle/>
+          <a:p>
+            <a:r>
+              <a:rPr lang="en-GB" dirty="0" smtClean="0"/>
+              <a:t>How the models were created</a:t>
+            </a:r>
+          </a:p>
+          <a:p>
+            <a:endParaRPr lang="en-GB" dirty="0"/>
+          </a:p>
+          <a:p>
+            <a:r>
+              <a:rPr lang="en-GB" dirty="0" smtClean="0"/>
+              <a:t>How the art was created</a:t>
+            </a:r>
+          </a:p>
+          <a:p>
+            <a:endParaRPr lang="en-GB" dirty="0"/>
+          </a:p>
+          <a:p>
+            <a:r>
+              <a:rPr lang="en-GB" dirty="0" smtClean="0"/>
+              <a:t>How the sound was created</a:t>
+            </a:r>
+          </a:p>
+          <a:p>
+            <a:endParaRPr lang="en-GB" dirty="0"/>
+          </a:p>
+          <a:p>
+            <a:r>
+              <a:rPr lang="en-GB" dirty="0" smtClean="0"/>
+              <a:t>Challenges faced</a:t>
+            </a:r>
+            <a:endParaRPr lang="en-GB" dirty="0"/>
+          </a:p>
+        </p:txBody>
+      </p:sp>
+      <p:sp>
+        <p:nvSpPr>
+          <p:cNvPr id="5" name="Slide Number Placeholder 4"/>
+          <p:cNvSpPr>
+            <a:spLocks noGrp="1"/>
+          </p:cNvSpPr>
+          <p:nvPr>
+            <p:ph type="sldNum" sz="quarter" idx="12"/>
+          </p:nvPr>
+        </p:nvSpPr>
+        <p:spPr/>
+        <p:txBody>
+          <a:bodyPr/>
+          <a:lstStyle/>
+          <a:p>
+            <a:fld id="{F9F609E3-EDD8-4F62-B915-11BB29260EA5}" type="slidenum">
+              <a:rPr lang="en-GB" smtClean="0"/>
+              <a:t>12</a:t>
+            </a:fld>
+            <a:endParaRPr lang="en-GB"/>
+          </a:p>
+        </p:txBody>
+      </p:sp>
+      <p:sp>
+        <p:nvSpPr>
+          <p:cNvPr id="6" name="Footer Placeholder 3"/>
+          <p:cNvSpPr txBox="1">
+            <a:spLocks/>
+          </p:cNvSpPr>
+          <p:nvPr/>
+        </p:nvSpPr>
+        <p:spPr>
+          <a:xfrm>
+            <a:off x="2571371" y="6605416"/>
+            <a:ext cx="7047176" cy="223277"/>
+          </a:xfrm>
+          <a:prstGeom prst="rect">
+            <a:avLst/>
+          </a:prstGeom>
+        </p:spPr>
+        <p:txBody>
+          <a:bodyPr vert="horz" lIns="91440" tIns="45720" rIns="91440" bIns="45720" rtlCol="0" anchor="ctr"/>
+          <a:lstStyle>
+            <a:defPPr>
+              <a:defRPr lang="en-US"/>
+            </a:defPPr>
+            <a:lvl1pPr marL="0" algn="r" defTabSz="914400" rtl="0" eaLnBrk="1" latinLnBrk="0" hangingPunct="1">
+              <a:defRPr sz="1050" kern="1200">
+                <a:solidFill>
+                  <a:schemeClr val="tx1"/>
+                </a:solidFill>
+                <a:latin typeface="+mn-lt"/>
+                <a:ea typeface="+mn-ea"/>
+                <a:cs typeface="+mn-cs"/>
+              </a:defRPr>
+            </a:lvl1pPr>
+            <a:lvl2pPr marL="457200" algn="l" defTabSz="914400" rtl="0" eaLnBrk="1" latinLnBrk="0" hangingPunct="1">
+              <a:defRPr sz="1800" kern="1200">
+                <a:solidFill>
+                  <a:schemeClr val="tx1"/>
+                </a:solidFill>
+                <a:latin typeface="+mn-lt"/>
+                <a:ea typeface="+mn-ea"/>
+                <a:cs typeface="+mn-cs"/>
+              </a:defRPr>
+            </a:lvl2pPr>
+            <a:lvl3pPr marL="914400" algn="l" defTabSz="914400" rtl="0" eaLnBrk="1" latinLnBrk="0" hangingPunct="1">
+              <a:defRPr sz="1800" kern="1200">
+                <a:solidFill>
+                  <a:schemeClr val="tx1"/>
+                </a:solidFill>
+                <a:latin typeface="+mn-lt"/>
+                <a:ea typeface="+mn-ea"/>
+                <a:cs typeface="+mn-cs"/>
+              </a:defRPr>
+            </a:lvl3pPr>
+            <a:lvl4pPr marL="1371600" algn="l" defTabSz="914400" rtl="0" eaLnBrk="1" latinLnBrk="0" hangingPunct="1">
+              <a:defRPr sz="1800" kern="1200">
+                <a:solidFill>
+                  <a:schemeClr val="tx1"/>
+                </a:solidFill>
+                <a:latin typeface="+mn-lt"/>
+                <a:ea typeface="+mn-ea"/>
+                <a:cs typeface="+mn-cs"/>
+              </a:defRPr>
+            </a:lvl4pPr>
+            <a:lvl5pPr marL="1828800" algn="l" defTabSz="914400" rtl="0" eaLnBrk="1" latinLnBrk="0" hangingPunct="1">
+              <a:defRPr sz="1800" kern="1200">
+                <a:solidFill>
+                  <a:schemeClr val="tx1"/>
+                </a:solidFill>
+                <a:latin typeface="+mn-lt"/>
+                <a:ea typeface="+mn-ea"/>
+                <a:cs typeface="+mn-cs"/>
+              </a:defRPr>
+            </a:lvl5pPr>
+            <a:lvl6pPr marL="2286000" algn="l" defTabSz="914400" rtl="0" eaLnBrk="1" latinLnBrk="0" hangingPunct="1">
+              <a:defRPr sz="1800" kern="1200">
+                <a:solidFill>
+                  <a:schemeClr val="tx1"/>
+                </a:solidFill>
+                <a:latin typeface="+mn-lt"/>
+                <a:ea typeface="+mn-ea"/>
+                <a:cs typeface="+mn-cs"/>
+              </a:defRPr>
+            </a:lvl6pPr>
+            <a:lvl7pPr marL="2743200" algn="l" defTabSz="914400" rtl="0" eaLnBrk="1" latinLnBrk="0" hangingPunct="1">
+              <a:defRPr sz="1800" kern="1200">
+                <a:solidFill>
+                  <a:schemeClr val="tx1"/>
+                </a:solidFill>
+                <a:latin typeface="+mn-lt"/>
+                <a:ea typeface="+mn-ea"/>
+                <a:cs typeface="+mn-cs"/>
+              </a:defRPr>
+            </a:lvl7pPr>
+            <a:lvl8pPr marL="3200400" algn="l" defTabSz="914400" rtl="0" eaLnBrk="1" latinLnBrk="0" hangingPunct="1">
+              <a:defRPr sz="1800" kern="1200">
+                <a:solidFill>
+                  <a:schemeClr val="tx1"/>
+                </a:solidFill>
+                <a:latin typeface="+mn-lt"/>
+                <a:ea typeface="+mn-ea"/>
+                <a:cs typeface="+mn-cs"/>
+              </a:defRPr>
+            </a:lvl8pPr>
+            <a:lvl9pPr marL="3657600" algn="l" defTabSz="914400" rtl="0" eaLnBrk="1" latinLnBrk="0" hangingPunct="1">
+              <a:defRPr sz="1800" kern="1200">
+                <a:solidFill>
+                  <a:schemeClr val="tx1"/>
+                </a:solidFill>
+                <a:latin typeface="+mn-lt"/>
+                <a:ea typeface="+mn-ea"/>
+                <a:cs typeface="+mn-cs"/>
+              </a:defRPr>
+            </a:lvl9pPr>
+          </a:lstStyle>
+          <a:p>
+            <a:r>
+              <a:rPr lang="en-GB" dirty="0" smtClean="0"/>
+              <a:t>Adam Bowes 10237560	Thomas Fisher 12266105	Darryl Pearson 11207513	Joshua Graves 12281943</a:t>
+            </a:r>
+          </a:p>
+          <a:p>
+            <a:endParaRPr lang="en-GB" dirty="0"/>
+          </a:p>
+        </p:txBody>
+      </p:sp>
+    </p:spTree>
+    <p:extLst>
+      <p:ext uri="{BB962C8B-B14F-4D97-AF65-F5344CB8AC3E}">
+        <p14:creationId xmlns:p14="http://schemas.microsoft.com/office/powerpoint/2010/main" val="2214304224"/>
+      </p:ext>
+    </p:extLst>
+  </p:cSld>
+  <p:clrMapOvr>
+    <a:masterClrMapping/>
+  </p:clrMapOvr>
+  <p:timing>
+    <p:tnLst>
+      <p:par>
+        <p:cTn id="1" dur="indefinite" restart="never" nodeType="tmRoot"/>
+      </p:par>
+    </p:tnLst>
+  </p:timing>
 </p:sld>
 </file>
 
@@ -5279,32 +5710,41 @@
           <a:p>
             <a:r>
               <a:rPr lang="en-GB" dirty="0" smtClean="0"/>
-              <a:t>Deciding what tools to use? </a:t>
-            </a:r>
+              <a:t>What tools we decided to use</a:t>
+            </a:r>
+          </a:p>
+          <a:p>
+            <a:endParaRPr lang="en-GB" dirty="0"/>
+          </a:p>
+          <a:p>
+            <a:r>
+              <a:rPr lang="en-GB" dirty="0" smtClean="0"/>
+              <a:t>Microsoft project</a:t>
+            </a:r>
+          </a:p>
+          <a:p>
             <a:r>
               <a:rPr lang="en-GB" dirty="0" err="1" smtClean="0"/>
-              <a:t>Github</a:t>
-            </a:r>
+              <a:t>GitHub</a:t>
+            </a:r>
+            <a:endParaRPr lang="en-GB" dirty="0" smtClean="0"/>
+          </a:p>
+          <a:p>
             <a:r>
               <a:rPr lang="en-GB" dirty="0" smtClean="0"/>
-              <a:t>, </a:t>
-            </a:r>
-            <a:r>
-              <a:rPr lang="en-GB" dirty="0" err="1" smtClean="0"/>
-              <a:t>facebook</a:t>
-            </a:r>
-            <a:r>
-              <a:rPr lang="en-GB" dirty="0" smtClean="0"/>
-              <a:t>, </a:t>
-            </a:r>
-            <a:r>
-              <a:rPr lang="en-GB" dirty="0" err="1" smtClean="0"/>
-              <a:t>skype</a:t>
-            </a:r>
-            <a:r>
-              <a:rPr lang="en-GB" dirty="0" smtClean="0"/>
-              <a:t> the time graph thingy</a:t>
-            </a:r>
+              <a:t>Facebook</a:t>
+            </a:r>
+          </a:p>
+          <a:p>
+            <a:r>
+              <a:rPr lang="en-GB" dirty="0"/>
+              <a:t>Skype</a:t>
+            </a:r>
+          </a:p>
+          <a:p>
+            <a:pPr marL="0" indent="0">
+              <a:buNone/>
+            </a:pPr>
             <a:endParaRPr lang="en-GB" dirty="0"/>
           </a:p>
         </p:txBody>
@@ -5467,6 +5907,13 @@
   <p:clrMapOvr>
     <a:masterClrMapping/>
   </p:clrMapOvr>
+  <p:timing>
+    <p:tnLst>
+      <p:par>
+        <p:cTn id="1" dur="indefinite" restart="never" nodeType="tmRoot"/>
+      </p:par>
+    </p:tnLst>
+  </p:timing>
 </p:sld>
 </file>
 
@@ -5526,7 +5973,22 @@
           <a:p>
             <a:r>
               <a:rPr lang="en-GB" dirty="0" smtClean="0"/>
-              <a:t>Time graph thingy</a:t>
+              <a:t>Microsoft project</a:t>
+            </a:r>
+          </a:p>
+          <a:p>
+            <a:endParaRPr lang="en-GB" dirty="0"/>
+          </a:p>
+          <a:p>
+            <a:r>
+              <a:rPr lang="en-GB" dirty="0" smtClean="0"/>
+              <a:t>Time keeping</a:t>
+            </a:r>
+          </a:p>
+          <a:p>
+            <a:r>
+              <a:rPr lang="en-GB" dirty="0" smtClean="0"/>
+              <a:t>Deadlines</a:t>
             </a:r>
             <a:endParaRPr lang="en-GB" dirty="0"/>
           </a:p>
@@ -5690,6 +6152,13 @@
   <p:clrMapOvr>
     <a:masterClrMapping/>
   </p:clrMapOvr>
+  <p:timing>
+    <p:tnLst>
+      <p:par>
+        <p:cTn id="1" dur="indefinite" restart="never" nodeType="tmRoot"/>
+      </p:par>
+    </p:tnLst>
+  </p:timing>
 </p:sld>
 </file>
 
@@ -5751,6 +6220,41 @@
               <a:rPr lang="en-GB" dirty="0" err="1" smtClean="0"/>
               <a:t>Github</a:t>
             </a:r>
+            <a:endParaRPr lang="en-GB" dirty="0" smtClean="0"/>
+          </a:p>
+          <a:p>
+            <a:endParaRPr lang="en-GB" dirty="0"/>
+          </a:p>
+          <a:p>
+            <a:r>
+              <a:rPr lang="en-GB" dirty="0" smtClean="0"/>
+              <a:t>Uploading project files</a:t>
+            </a:r>
+          </a:p>
+          <a:p>
+            <a:r>
+              <a:rPr lang="en-GB" dirty="0" smtClean="0"/>
+              <a:t>Online back up </a:t>
+            </a:r>
+          </a:p>
+          <a:p>
+            <a:r>
+              <a:rPr lang="en-GB" dirty="0" smtClean="0"/>
+              <a:t>Uploaded files are time stamped</a:t>
+            </a:r>
+          </a:p>
+          <a:p>
+            <a:endParaRPr lang="en-GB" dirty="0"/>
+          </a:p>
+          <a:p>
+            <a:r>
+              <a:rPr lang="en-GB" dirty="0" smtClean="0"/>
+              <a:t>Drawbacks of </a:t>
+            </a:r>
+            <a:r>
+              <a:rPr lang="en-GB" dirty="0" err="1" smtClean="0"/>
+              <a:t>GitHub</a:t>
+            </a:r>
             <a:endParaRPr lang="en-GB" dirty="0"/>
           </a:p>
         </p:txBody>
@@ -5913,6 +6417,13 @@
   <p:clrMapOvr>
     <a:masterClrMapping/>
   </p:clrMapOvr>
+  <p:timing>
+    <p:tnLst>
+      <p:par>
+        <p:cTn id="1" dur="indefinite" restart="never" nodeType="tmRoot"/>
+      </p:par>
+    </p:tnLst>
+  </p:timing>
 </p:sld>
 </file>
 
@@ -5974,7 +6485,22 @@
               <a:rPr lang="en-GB" dirty="0" smtClean="0"/>
               <a:t>Facebook</a:t>
             </a:r>
+          </a:p>
+          <a:p>
             <a:endParaRPr lang="en-GB" dirty="0"/>
+          </a:p>
+          <a:p>
+            <a:r>
+              <a:rPr lang="en-GB" dirty="0" smtClean="0"/>
+              <a:t>Created our own private group</a:t>
+            </a:r>
+          </a:p>
+          <a:p>
+            <a:r>
+              <a:rPr lang="en-GB" dirty="0" smtClean="0"/>
+              <a:t>Used it more like a forum with instant messaging</a:t>
+            </a:r>
+            <a:endParaRPr lang="en-GB" dirty="0" smtClean="0"/>
           </a:p>
         </p:txBody>
       </p:sp>
@@ -6136,6 +6662,13 @@
   <p:clrMapOvr>
     <a:masterClrMapping/>
   </p:clrMapOvr>
+  <p:timing>
+    <p:tnLst>
+      <p:par>
+        <p:cTn id="1" dur="indefinite" restart="never" nodeType="tmRoot"/>
+      </p:par>
+    </p:tnLst>
+  </p:timing>
 </p:sld>
 </file>
 
@@ -6195,15 +6728,26 @@
           <a:p>
             <a:r>
               <a:rPr lang="en-GB" dirty="0" smtClean="0"/>
-              <a:t>Skype, online meetings, and physical meetings with minuets </a:t>
-            </a:r>
-            <a:r>
-              <a:rPr lang="en-GB" dirty="0" err="1" smtClean="0"/>
-              <a:t>ect</a:t>
-            </a:r>
+              <a:t>Skype</a:t>
+            </a:r>
+          </a:p>
+          <a:p>
+            <a:endParaRPr lang="en-GB" dirty="0" smtClean="0"/>
+          </a:p>
+          <a:p>
             <a:r>
               <a:rPr lang="en-GB" dirty="0" smtClean="0"/>
-              <a:t> </a:t>
+              <a:t>O</a:t>
+            </a:r>
+            <a:r>
+              <a:rPr lang="en-GB" dirty="0" smtClean="0"/>
+              <a:t>nline meetings</a:t>
+            </a:r>
+          </a:p>
+          <a:p>
+            <a:r>
+              <a:rPr lang="en-GB" dirty="0" smtClean="0"/>
+              <a:t>Used to discuss and plan tasks</a:t>
             </a:r>
             <a:endParaRPr lang="en-GB" dirty="0"/>
           </a:p>
@@ -6367,6 +6911,13 @@
   <p:clrMapOvr>
     <a:masterClrMapping/>
   </p:clrMapOvr>
+  <p:timing>
+    <p:tnLst>
+      <p:par>
+        <p:cTn id="1" dur="indefinite" restart="never" nodeType="tmRoot"/>
+      </p:par>
+    </p:tnLst>
+  </p:timing>
 </p:sld>
 </file>
 
@@ -6426,11 +6977,36 @@
           <a:p>
             <a:r>
               <a:rPr lang="en-GB" dirty="0" smtClean="0"/>
-              <a:t>What we did </a:t>
-            </a:r>
+              <a:t>Tools used when creatin</a:t>
+            </a:r>
+            <a:r>
+              <a:rPr lang="en-GB" dirty="0" smtClean="0"/>
+              <a:t>g the artefact</a:t>
+            </a:r>
+          </a:p>
+          <a:p>
+            <a:endParaRPr lang="en-GB" dirty="0"/>
+          </a:p>
+          <a:p>
+            <a:r>
+              <a:rPr lang="en-GB" dirty="0" smtClean="0"/>
+              <a:t>Unity</a:t>
+            </a:r>
+          </a:p>
+          <a:p>
             <a:r>
               <a:rPr lang="en-GB" dirty="0" err="1" smtClean="0"/>
-              <a:t>ect</a:t>
+              <a:t>Havok</a:t>
+            </a:r>
+            <a:endParaRPr lang="en-GB" dirty="0" smtClean="0"/>
+          </a:p>
+          <a:p>
+            <a:endParaRPr lang="en-GB" dirty="0"/>
+          </a:p>
+          <a:p>
+            <a:r>
+              <a:rPr lang="en-GB" dirty="0" smtClean="0"/>
+              <a:t>Other programs</a:t>
             </a:r>
             <a:endParaRPr lang="en-GB" dirty="0"/>
           </a:p>
@@ -6594,6 +7170,13 @@
   <p:clrMapOvr>
     <a:masterClrMapping/>
   </p:clrMapOvr>
+  <p:timing>
+    <p:tnLst>
+      <p:par>
+        <p:cTn id="1" dur="indefinite" restart="never" nodeType="tmRoot"/>
+      </p:par>
+    </p:tnLst>
+  </p:timing>
 </p:sld>
 </file>
 
@@ -6630,39 +7213,39 @@
           <a:lstStyle/>
           <a:p>
             <a:r>
-              <a:rPr lang="en-GB" dirty="0" err="1"/>
+              <a:rPr lang="en-GB" dirty="0"/>
               <a:t>technical</a:t>
             </a:r>
-            <a:r>
-              <a:rPr lang="en-GB" dirty="0" err="1" smtClean="0">
-                <a:solidFill>
-                  <a:schemeClr val="tx1"/>
-                </a:solidFill>
-              </a:rPr>
-              <a:t>l</a:t>
-            </a:r>
+          </a:p>
+        </p:txBody>
+      </p:sp>
+      <p:sp>
+        <p:nvSpPr>
+          <p:cNvPr id="3" name="Content Placeholder 2"/>
+          <p:cNvSpPr>
+            <a:spLocks noGrp="1"/>
+          </p:cNvSpPr>
+          <p:nvPr>
+            <p:ph idx="1"/>
+          </p:nvPr>
+        </p:nvSpPr>
+        <p:spPr/>
+        <p:txBody>
+          <a:bodyPr/>
+          <a:lstStyle/>
+          <a:p>
+            <a:r>
+              <a:rPr lang="en-GB" dirty="0" smtClean="0"/>
+              <a:t>Unity</a:t>
+            </a:r>
+          </a:p>
+          <a:p>
             <a:endParaRPr lang="en-GB" dirty="0"/>
           </a:p>
-        </p:txBody>
-      </p:sp>
-      <p:sp>
-        <p:nvSpPr>
-          <p:cNvPr id="3" name="Content Placeholder 2"/>
-          <p:cNvSpPr>
-            <a:spLocks noGrp="1"/>
-          </p:cNvSpPr>
-          <p:nvPr>
-            <p:ph idx="1"/>
-          </p:nvPr>
-        </p:nvSpPr>
-        <p:spPr/>
-        <p:txBody>
-          <a:bodyPr/>
-          <a:lstStyle/>
           <a:p>
             <a:r>
               <a:rPr lang="en-GB" dirty="0" smtClean="0"/>
-              <a:t>GUI</a:t>
+              <a:t>Challenges faced</a:t>
             </a:r>
             <a:endParaRPr lang="en-GB" dirty="0"/>
           </a:p>
@@ -6819,13 +7402,20 @@
     </p:spTree>
     <p:extLst>
       <p:ext uri="{BB962C8B-B14F-4D97-AF65-F5344CB8AC3E}">
-        <p14:creationId xmlns:p14="http://schemas.microsoft.com/office/powerpoint/2010/main" val="1341817024"/>
+        <p14:creationId xmlns:p14="http://schemas.microsoft.com/office/powerpoint/2010/main" val="2143559092"/>
       </p:ext>
     </p:extLst>
   </p:cSld>
   <p:clrMapOvr>
     <a:masterClrMapping/>
   </p:clrMapOvr>
+  <p:timing>
+    <p:tnLst>
+      <p:par>
+        <p:cTn id="1" dur="indefinite" restart="never" nodeType="tmRoot"/>
+      </p:par>
+    </p:tnLst>
+  </p:timing>
 </p:sld>
 </file>
 
@@ -6884,9 +7474,24 @@
           <a:lstStyle/>
           <a:p>
             <a:r>
-              <a:rPr lang="en-GB" dirty="0" smtClean="0"/>
-              <a:t>NPC and building placement</a:t>
-            </a:r>
+              <a:rPr lang="en-GB" dirty="0" err="1" smtClean="0"/>
+              <a:t>Havok</a:t>
+            </a:r>
+            <a:endParaRPr lang="en-GB" dirty="0" smtClean="0"/>
+          </a:p>
+          <a:p>
+            <a:pPr marL="0" indent="0">
+              <a:buNone/>
+            </a:pPr>
+            <a:endParaRPr lang="en-GB" dirty="0" smtClean="0"/>
+          </a:p>
+          <a:p>
+            <a:r>
+              <a:rPr lang="en-GB" dirty="0"/>
+              <a:t>Challenges faced</a:t>
+            </a:r>
+          </a:p>
+          <a:p>
             <a:endParaRPr lang="en-GB" dirty="0"/>
           </a:p>
         </p:txBody>
@@ -7042,13 +7647,20 @@
     </p:spTree>
     <p:extLst>
       <p:ext uri="{BB962C8B-B14F-4D97-AF65-F5344CB8AC3E}">
-        <p14:creationId xmlns:p14="http://schemas.microsoft.com/office/powerpoint/2010/main" val="514675790"/>
+        <p14:creationId xmlns:p14="http://schemas.microsoft.com/office/powerpoint/2010/main" val="3471880509"/>
       </p:ext>
     </p:extLst>
   </p:cSld>
   <p:clrMapOvr>
     <a:masterClrMapping/>
   </p:clrMapOvr>
+  <p:timing>
+    <p:tnLst>
+      <p:par>
+        <p:cTn id="1" dur="indefinite" restart="never" nodeType="tmRoot"/>
+      </p:par>
+    </p:tnLst>
+  </p:timing>
 </p:sld>
 </file>
 
@@ -7308,7 +7920,7 @@
   <a:extraClrSchemeLst/>
   <a:extLst>
     <a:ext uri="{05A4C25C-085E-4340-85A3-A5531E510DB2}">
-      <thm15:themeFamily xmlns:thm15="http://schemas.microsoft.com/office/thememl/2012/main" xmlns="" name="Banded" id="{98DFF888-2449-4D28-977C-6306C017633E}" vid="{9792607F-9579-4224-82FF-9C88C3E1E53D}"/>
+      <thm15:themeFamily xmlns="" xmlns:thm15="http://schemas.microsoft.com/office/thememl/2012/main" name="Banded" id="{98DFF888-2449-4D28-977C-6306C017633E}" vid="{9792607F-9579-4224-82FF-9C88C3E1E53D}"/>
     </a:ext>
   </a:extLst>
 </a:theme>
@@ -7569,7 +8181,7 @@
   <a:extraClrSchemeLst/>
   <a:extLst>
     <a:ext uri="{05A4C25C-085E-4340-85A3-A5531E510DB2}">
-      <thm15:themeFamily xmlns:thm15="http://schemas.microsoft.com/office/thememl/2012/main" xmlns="" name="Office Theme" id="{62F939B6-93AF-4DB8-9C6B-D6C7DFDC589F}" vid="{4A3C46E8-61CC-4603-A589-7422A47A8E4A}"/>
+      <thm15:themeFamily xmlns="" xmlns:thm15="http://schemas.microsoft.com/office/thememl/2012/main" name="Office Theme" id="{62F939B6-93AF-4DB8-9C6B-D6C7DFDC589F}" vid="{4A3C46E8-61CC-4603-A589-7422A47A8E4A}"/>
     </a:ext>
   </a:extLst>
 </a:theme>
